--- a/presentations/06-09-2022.pptx
+++ b/presentations/06-09-2022.pptx
@@ -22441,21 +22441,8 @@
             </a:pPr>
             <a:r>
               <a:rPr lang="en-US" dirty="0" smtClean="0"/>
-              <a:t>Aggregated over Member of ensemble / </a:t>
+              <a:t>Aggregated over Member of ensemble / Space [with pop weights] / Time</a:t>
             </a:r>
-            <a:r>
-              <a:rPr lang="en-US" dirty="0" smtClean="0"/>
-              <a:t>Space </a:t>
-            </a:r>
-            <a:r>
-              <a:rPr lang="en-US" dirty="0" smtClean="0"/>
-              <a:t>[with pop weights</a:t>
-            </a:r>
-            <a:r>
-              <a:rPr lang="en-US" dirty="0" smtClean="0"/>
-              <a:t>] / Time</a:t>
-            </a:r>
-            <a:endParaRPr lang="en-US" dirty="0" smtClean="0"/>
           </a:p>
           <a:p>
             <a:pPr marL="630936" lvl="1" indent="-457200">
@@ -22490,13 +22477,8 @@
             </a:pPr>
             <a:r>
               <a:rPr lang="en-US" dirty="0" smtClean="0"/>
-              <a:t>As of now: order is </a:t>
+              <a:t>As of now: order is M-S-T. Time is last b/c memory limits. </a:t>
             </a:r>
-            <a:r>
-              <a:rPr lang="en-US" dirty="0" smtClean="0"/>
-              <a:t>M-S-T. Time is last b/c memory limits. </a:t>
-            </a:r>
-            <a:endParaRPr lang="en-US" dirty="0" smtClean="0"/>
           </a:p>
           <a:p>
             <a:pPr marL="457200" indent="-457200">
@@ -22576,13 +22558,11 @@
       </p:sp>
       <p:pic>
         <p:nvPicPr>
-          <p:cNvPr id="4" name="Content Placeholder 3"/>
+          <p:cNvPr id="3" name="Picture 2"/>
           <p:cNvPicPr>
-            <a:picLocks noGrp="1" noChangeAspect="1"/>
+            <a:picLocks noChangeAspect="1"/>
           </p:cNvPicPr>
-          <p:nvPr>
-            <p:ph idx="1"/>
-          </p:nvPr>
+          <p:nvPr/>
         </p:nvPicPr>
         <p:blipFill>
           <a:blip r:embed="rId2"/>
@@ -22592,14 +22572,33 @@
         </p:blipFill>
         <p:spPr>
           <a:xfrm>
-            <a:off x="2222323" y="1492370"/>
-            <a:ext cx="7196500" cy="5397375"/>
+            <a:off x="2836164" y="1924396"/>
+            <a:ext cx="6096000" cy="4572000"/>
           </a:xfrm>
           <a:prstGeom prst="rect">
             <a:avLst/>
           </a:prstGeom>
         </p:spPr>
       </p:pic>
+      <p:sp>
+        <p:nvSpPr>
+          <p:cNvPr id="5" name="Content Placeholder 4"/>
+          <p:cNvSpPr>
+            <a:spLocks noGrp="1"/>
+          </p:cNvSpPr>
+          <p:nvPr>
+            <p:ph idx="1"/>
+          </p:nvPr>
+        </p:nvSpPr>
+        <p:spPr/>
+        <p:txBody>
+          <a:bodyPr/>
+          <a:lstStyle/>
+          <a:p>
+            <a:endParaRPr lang="en-US" dirty="0"/>
+          </a:p>
+        </p:txBody>
+      </p:sp>
     </p:spTree>
     <p:extLst>
       <p:ext uri="{BB962C8B-B14F-4D97-AF65-F5344CB8AC3E}">

--- a/presentations/06-09-2022.pptx
+++ b/presentations/06-09-2022.pptx
@@ -8909,7 +8909,7 @@
           <a:p>
             <a:fld id="{E5720DCE-3AEB-4D60-B462-8F0AE34A2B1C}" type="datetimeFigureOut">
               <a:rPr lang="en-US" smtClean="0"/>
-              <a:t>9/2/2022</a:t>
+              <a:t>9/6/2022</a:t>
             </a:fld>
             <a:endParaRPr lang="en-US"/>
           </a:p>
@@ -9116,7 +9116,7 @@
           <a:p>
             <a:fld id="{E5720DCE-3AEB-4D60-B462-8F0AE34A2B1C}" type="datetimeFigureOut">
               <a:rPr lang="en-US" smtClean="0"/>
-              <a:t>9/2/2022</a:t>
+              <a:t>9/6/2022</a:t>
             </a:fld>
             <a:endParaRPr lang="en-US"/>
           </a:p>
@@ -9296,7 +9296,7 @@
           <a:p>
             <a:fld id="{E5720DCE-3AEB-4D60-B462-8F0AE34A2B1C}" type="datetimeFigureOut">
               <a:rPr lang="en-US" smtClean="0"/>
-              <a:t>9/2/2022</a:t>
+              <a:t>9/6/2022</a:t>
             </a:fld>
             <a:endParaRPr lang="en-US"/>
           </a:p>
@@ -9501,7 +9501,7 @@
           <a:p>
             <a:fld id="{E5720DCE-3AEB-4D60-B462-8F0AE34A2B1C}" type="datetimeFigureOut">
               <a:rPr lang="en-US" smtClean="0"/>
-              <a:t>9/2/2022</a:t>
+              <a:t>9/6/2022</a:t>
             </a:fld>
             <a:endParaRPr lang="en-US"/>
           </a:p>
@@ -18399,7 +18399,7 @@
           <a:p>
             <a:fld id="{E5720DCE-3AEB-4D60-B462-8F0AE34A2B1C}" type="datetimeFigureOut">
               <a:rPr lang="en-US" smtClean="0"/>
-              <a:t>9/2/2022</a:t>
+              <a:t>9/6/2022</a:t>
             </a:fld>
             <a:endParaRPr lang="en-US"/>
           </a:p>
@@ -18673,7 +18673,7 @@
           <a:p>
             <a:fld id="{E5720DCE-3AEB-4D60-B462-8F0AE34A2B1C}" type="datetimeFigureOut">
               <a:rPr lang="en-US" smtClean="0"/>
-              <a:t>9/2/2022</a:t>
+              <a:t>9/6/2022</a:t>
             </a:fld>
             <a:endParaRPr lang="en-US"/>
           </a:p>
@@ -19071,7 +19071,7 @@
           <a:p>
             <a:fld id="{E5720DCE-3AEB-4D60-B462-8F0AE34A2B1C}" type="datetimeFigureOut">
               <a:rPr lang="en-US" smtClean="0"/>
-              <a:t>9/2/2022</a:t>
+              <a:t>9/6/2022</a:t>
             </a:fld>
             <a:endParaRPr lang="en-US"/>
           </a:p>
@@ -19189,7 +19189,7 @@
           <a:p>
             <a:fld id="{E5720DCE-3AEB-4D60-B462-8F0AE34A2B1C}" type="datetimeFigureOut">
               <a:rPr lang="en-US" smtClean="0"/>
-              <a:t>9/2/2022</a:t>
+              <a:t>9/6/2022</a:t>
             </a:fld>
             <a:endParaRPr lang="en-US"/>
           </a:p>
@@ -19284,7 +19284,7 @@
           <a:p>
             <a:fld id="{E5720DCE-3AEB-4D60-B462-8F0AE34A2B1C}" type="datetimeFigureOut">
               <a:rPr lang="en-US" smtClean="0"/>
-              <a:t>9/2/2022</a:t>
+              <a:t>9/6/2022</a:t>
             </a:fld>
             <a:endParaRPr lang="en-US"/>
           </a:p>
@@ -19574,7 +19574,7 @@
           <a:p>
             <a:fld id="{E5720DCE-3AEB-4D60-B462-8F0AE34A2B1C}" type="datetimeFigureOut">
               <a:rPr lang="en-US" smtClean="0"/>
-              <a:t>9/2/2022</a:t>
+              <a:t>9/6/2022</a:t>
             </a:fld>
             <a:endParaRPr lang="en-US"/>
           </a:p>
@@ -19854,7 +19854,7 @@
           <a:p>
             <a:fld id="{E5720DCE-3AEB-4D60-B462-8F0AE34A2B1C}" type="datetimeFigureOut">
               <a:rPr lang="en-US" smtClean="0"/>
-              <a:t>9/2/2022</a:t>
+              <a:t>9/6/2022</a:t>
             </a:fld>
             <a:endParaRPr lang="en-US"/>
           </a:p>
@@ -20104,7 +20104,7 @@
           <a:p>
             <a:fld id="{E5720DCE-3AEB-4D60-B462-8F0AE34A2B1C}" type="datetimeFigureOut">
               <a:rPr lang="en-US" smtClean="0"/>
-              <a:t>9/2/2022</a:t>
+              <a:t>9/6/2022</a:t>
             </a:fld>
             <a:endParaRPr lang="en-US"/>
           </a:p>
@@ -20795,7 +20795,11 @@
           <a:p>
             <a:r>
               <a:rPr lang="en-US" dirty="0" smtClean="0"/>
-              <a:t>Data download</a:t>
+              <a:t>Data </a:t>
+            </a:r>
+            <a:r>
+              <a:rPr lang="en-US" dirty="0" smtClean="0"/>
+              <a:t>download options</a:t>
             </a:r>
             <a:endParaRPr lang="en-US" dirty="0"/>
           </a:p>
@@ -20816,6 +20820,16 @@
           <a:bodyPr/>
           <a:lstStyle/>
           <a:p>
+            <a:pPr marL="0" indent="0">
+              <a:buNone/>
+            </a:pPr>
+            <a:r>
+              <a:rPr lang="en-US" dirty="0" smtClean="0"/>
+              <a:t>Through APIs</a:t>
+            </a:r>
+            <a:endParaRPr lang="en-US" dirty="0" smtClean="0"/>
+          </a:p>
+          <a:p>
             <a:pPr marL="457200" indent="-457200">
               <a:buFont typeface="+mj-lt"/>
               <a:buAutoNum type="arabicPeriod"/>
@@ -20833,7 +20847,11 @@
             </a:pPr>
             <a:r>
               <a:rPr lang="en-US" dirty="0" smtClean="0"/>
-              <a:t>Download at runtime</a:t>
+              <a:t>Download at </a:t>
+            </a:r>
+            <a:r>
+              <a:rPr lang="en-US" dirty="0" smtClean="0"/>
+              <a:t>runtime, need not store on disk</a:t>
             </a:r>
           </a:p>
           <a:p>
@@ -20843,8 +20861,9 @@
             </a:pPr>
             <a:r>
               <a:rPr lang="en-US" dirty="0" smtClean="0"/>
-              <a:t>Loaded onto memory</a:t>
+              <a:t>Download multiple models, variables, at once</a:t>
             </a:r>
+            <a:endParaRPr lang="en-US" dirty="0" smtClean="0"/>
           </a:p>
           <a:p>
             <a:pPr marL="630936" lvl="1" indent="-457200">
@@ -20853,9 +20872,16 @@
             </a:pPr>
             <a:r>
               <a:rPr lang="en-US" dirty="0" smtClean="0"/>
-              <a:t>All members of ensemble</a:t>
+              <a:t>All </a:t>
             </a:r>
-            <a:endParaRPr lang="en-US" dirty="0"/>
+            <a:r>
+              <a:rPr lang="en-US" dirty="0" smtClean="0"/>
+              <a:t>members of </a:t>
+            </a:r>
+            <a:r>
+              <a:rPr lang="en-US" dirty="0" smtClean="0"/>
+              <a:t>ensemble</a:t>
+            </a:r>
           </a:p>
           <a:p>
             <a:pPr marL="457200" indent="-457200">
@@ -20864,7 +20890,11 @@
             </a:pPr>
             <a:r>
               <a:rPr lang="en-US" dirty="0" smtClean="0"/>
-              <a:t>Copernicus Data Store</a:t>
+              <a:t>Copernicus </a:t>
+            </a:r>
+            <a:r>
+              <a:rPr lang="en-US" dirty="0" smtClean="0"/>
+              <a:t>Data Store</a:t>
             </a:r>
           </a:p>
           <a:p>
@@ -20894,13 +20924,16 @@
             </a:pPr>
             <a:r>
               <a:rPr lang="en-US" dirty="0" smtClean="0"/>
-              <a:t>1 member of ensemble (it seems)</a:t>
+              <a:t>1 member of ensemble (it seems</a:t>
+            </a:r>
+            <a:r>
+              <a:rPr lang="en-US" dirty="0" smtClean="0"/>
+              <a:t>)</a:t>
             </a:r>
           </a:p>
           <a:p>
-            <a:pPr marL="630936" lvl="1" indent="-457200">
-              <a:buFont typeface="+mj-lt"/>
-              <a:buAutoNum type="arabicPeriod"/>
+            <a:pPr marL="173736" lvl="1" indent="0">
+              <a:buNone/>
             </a:pPr>
             <a:endParaRPr lang="en-US" dirty="0"/>
           </a:p>
@@ -20914,7 +20947,7 @@
         </p:nvSpPr>
         <p:spPr>
           <a:xfrm>
-            <a:off x="4459858" y="1749579"/>
+            <a:off x="12785151" y="1494397"/>
             <a:ext cx="7887418" cy="1754326"/>
           </a:xfrm>
           <a:prstGeom prst="rect">
@@ -21339,7 +21372,7 @@
         </p:nvSpPr>
         <p:spPr bwMode="auto">
           <a:xfrm>
-            <a:off x="4949146" y="3442988"/>
+            <a:off x="12785151" y="3559946"/>
             <a:ext cx="3651390" cy="3539430"/>
           </a:xfrm>
           <a:prstGeom prst="rect">
@@ -22363,7 +22396,15 @@
             </a:pPr>
             <a:r>
               <a:rPr lang="en-US" dirty="0" smtClean="0"/>
-              <a:t>Harmonize using ad hoc Python </a:t>
+              <a:t>Harmonize using </a:t>
+            </a:r>
+            <a:r>
+              <a:rPr lang="en-US" dirty="0" smtClean="0"/>
+              <a:t>an ad </a:t>
+            </a:r>
+            <a:r>
+              <a:rPr lang="en-US" dirty="0" smtClean="0"/>
+              <a:t>hoc Python </a:t>
             </a:r>
             <a:r>
               <a:rPr lang="en-US" dirty="0"/>
@@ -22421,8 +22462,13 @@
             </a:pPr>
             <a:r>
               <a:rPr lang="en-US" dirty="0" smtClean="0"/>
-              <a:t>Compute total population per grid cell</a:t>
+              <a:t>Compute total population per grid </a:t>
             </a:r>
+            <a:r>
+              <a:rPr lang="en-US" dirty="0" smtClean="0"/>
+              <a:t>cell [intersection with country borders]</a:t>
+            </a:r>
+            <a:endParaRPr lang="en-US" dirty="0" smtClean="0"/>
           </a:p>
           <a:p>
             <a:pPr marL="630936" lvl="1" indent="-457200">
